--- a/ppt 16-9/0309.高举救恩杯.pptx
+++ b/ppt 16-9/0309.高举救恩杯.pptx
@@ -129,7 +129,7 @@
           <p:cNvPr id="2" name="标题 1">
             <a:extLst>
               <a:ext uri="{FF2B5EF4-FFF2-40B4-BE49-F238E27FC236}">
-                <a16:creationId xmlns:a16="http://schemas.microsoft.com/office/drawing/2014/main" id="{D3D4AA34-1FBE-EB05-D829-65CA03F8AF34}"/>
+                <a16:creationId xmlns:a16="http://schemas.microsoft.com/office/drawing/2014/main" id="{D17D74FF-52BB-D84E-5F80-579B8ADFC101}"/>
               </a:ext>
             </a:extLst>
           </p:cNvPr>
@@ -166,7 +166,7 @@
           <p:cNvPr id="3" name="副标题 2">
             <a:extLst>
               <a:ext uri="{FF2B5EF4-FFF2-40B4-BE49-F238E27FC236}">
-                <a16:creationId xmlns:a16="http://schemas.microsoft.com/office/drawing/2014/main" id="{CAED6D6E-DB79-DA00-495A-122A7FC5398E}"/>
+                <a16:creationId xmlns:a16="http://schemas.microsoft.com/office/drawing/2014/main" id="{EE7C4435-FDD0-5113-5F9A-E60A75A945B5}"/>
               </a:ext>
             </a:extLst>
           </p:cNvPr>
@@ -236,7 +236,7 @@
           <p:cNvPr id="4" name="日期占位符 3">
             <a:extLst>
               <a:ext uri="{FF2B5EF4-FFF2-40B4-BE49-F238E27FC236}">
-                <a16:creationId xmlns:a16="http://schemas.microsoft.com/office/drawing/2014/main" id="{64CC2AAF-FB68-3123-4D23-9011996FBD8F}"/>
+                <a16:creationId xmlns:a16="http://schemas.microsoft.com/office/drawing/2014/main" id="{9FA07E35-458D-559B-AE45-6E24DC215C3F}"/>
               </a:ext>
             </a:extLst>
           </p:cNvPr>
@@ -252,7 +252,7 @@
           <a:bodyPr/>
           <a:lstStyle/>
           <a:p>
-            <a:fld id="{D27E9670-ADA7-4572-BC86-4C8FD729C80C}" type="datetimeFigureOut">
+            <a:fld id="{098A16C6-DC88-4387-BC03-4B6D34A63A56}" type="datetimeFigureOut">
               <a:rPr lang="zh-CN" altLang="en-US" smtClean="0"/>
               <a:t>2024/3/10</a:t>
             </a:fld>
@@ -265,7 +265,7 @@
           <p:cNvPr id="5" name="页脚占位符 4">
             <a:extLst>
               <a:ext uri="{FF2B5EF4-FFF2-40B4-BE49-F238E27FC236}">
-                <a16:creationId xmlns:a16="http://schemas.microsoft.com/office/drawing/2014/main" id="{44597BC2-232F-8ABF-F8BD-E2C683F80D8D}"/>
+                <a16:creationId xmlns:a16="http://schemas.microsoft.com/office/drawing/2014/main" id="{8F953723-05E2-51D1-FC1E-3A648094EAF3}"/>
               </a:ext>
             </a:extLst>
           </p:cNvPr>
@@ -290,7 +290,7 @@
           <p:cNvPr id="6" name="灯片编号占位符 5">
             <a:extLst>
               <a:ext uri="{FF2B5EF4-FFF2-40B4-BE49-F238E27FC236}">
-                <a16:creationId xmlns:a16="http://schemas.microsoft.com/office/drawing/2014/main" id="{91293613-85DB-6CA8-77E6-7E5BC5F9E381}"/>
+                <a16:creationId xmlns:a16="http://schemas.microsoft.com/office/drawing/2014/main" id="{B5F2F399-815E-4B7D-B7E2-6AF88C414F9F}"/>
               </a:ext>
             </a:extLst>
           </p:cNvPr>
@@ -306,7 +306,7 @@
           <a:bodyPr/>
           <a:lstStyle/>
           <a:p>
-            <a:fld id="{AD797A6D-0F70-4A00-BA7C-F8805892E5C7}" type="slidenum">
+            <a:fld id="{16F6C963-F525-4924-95C2-289DF918C99D}" type="slidenum">
               <a:rPr lang="zh-CN" altLang="en-US" smtClean="0"/>
               <a:t>‹#›</a:t>
             </a:fld>
@@ -317,7 +317,7 @@
     </p:spTree>
     <p:extLst>
       <p:ext uri="{BB962C8B-B14F-4D97-AF65-F5344CB8AC3E}">
-        <p14:creationId xmlns:p14="http://schemas.microsoft.com/office/powerpoint/2010/main" val="3188279895"/>
+        <p14:creationId xmlns:p14="http://schemas.microsoft.com/office/powerpoint/2010/main" val="1051435026"/>
       </p:ext>
     </p:extLst>
   </p:cSld>
@@ -349,7 +349,7 @@
           <p:cNvPr id="2" name="标题 1">
             <a:extLst>
               <a:ext uri="{FF2B5EF4-FFF2-40B4-BE49-F238E27FC236}">
-                <a16:creationId xmlns:a16="http://schemas.microsoft.com/office/drawing/2014/main" id="{A7962A84-EA0E-A89C-44DB-284965853A19}"/>
+                <a16:creationId xmlns:a16="http://schemas.microsoft.com/office/drawing/2014/main" id="{B03BFD0A-4CC2-D177-98A1-F08CE3AD2EEA}"/>
               </a:ext>
             </a:extLst>
           </p:cNvPr>
@@ -377,7 +377,7 @@
           <p:cNvPr id="3" name="竖排文字占位符 2">
             <a:extLst>
               <a:ext uri="{FF2B5EF4-FFF2-40B4-BE49-F238E27FC236}">
-                <a16:creationId xmlns:a16="http://schemas.microsoft.com/office/drawing/2014/main" id="{6E102ABB-EAEE-79A4-453D-8760CFB40DDA}"/>
+                <a16:creationId xmlns:a16="http://schemas.microsoft.com/office/drawing/2014/main" id="{CA08E403-D420-D6E2-C5E9-C4996E8D80F6}"/>
               </a:ext>
             </a:extLst>
           </p:cNvPr>
@@ -434,7 +434,7 @@
           <p:cNvPr id="4" name="日期占位符 3">
             <a:extLst>
               <a:ext uri="{FF2B5EF4-FFF2-40B4-BE49-F238E27FC236}">
-                <a16:creationId xmlns:a16="http://schemas.microsoft.com/office/drawing/2014/main" id="{397F3449-A411-77E5-1D11-468286785FED}"/>
+                <a16:creationId xmlns:a16="http://schemas.microsoft.com/office/drawing/2014/main" id="{7DA55C86-7DD4-84CA-1973-528C7166FD25}"/>
               </a:ext>
             </a:extLst>
           </p:cNvPr>
@@ -450,7 +450,7 @@
           <a:bodyPr/>
           <a:lstStyle/>
           <a:p>
-            <a:fld id="{D27E9670-ADA7-4572-BC86-4C8FD729C80C}" type="datetimeFigureOut">
+            <a:fld id="{098A16C6-DC88-4387-BC03-4B6D34A63A56}" type="datetimeFigureOut">
               <a:rPr lang="zh-CN" altLang="en-US" smtClean="0"/>
               <a:t>2024/3/10</a:t>
             </a:fld>
@@ -463,7 +463,7 @@
           <p:cNvPr id="5" name="页脚占位符 4">
             <a:extLst>
               <a:ext uri="{FF2B5EF4-FFF2-40B4-BE49-F238E27FC236}">
-                <a16:creationId xmlns:a16="http://schemas.microsoft.com/office/drawing/2014/main" id="{162D0FD2-6076-1BDC-D71F-6F328C6E6706}"/>
+                <a16:creationId xmlns:a16="http://schemas.microsoft.com/office/drawing/2014/main" id="{1C17A3B4-E411-E42B-0D31-664F9585BDF4}"/>
               </a:ext>
             </a:extLst>
           </p:cNvPr>
@@ -488,7 +488,7 @@
           <p:cNvPr id="6" name="灯片编号占位符 5">
             <a:extLst>
               <a:ext uri="{FF2B5EF4-FFF2-40B4-BE49-F238E27FC236}">
-                <a16:creationId xmlns:a16="http://schemas.microsoft.com/office/drawing/2014/main" id="{F7F5AB6C-BF5B-35B9-F544-9F99083B262D}"/>
+                <a16:creationId xmlns:a16="http://schemas.microsoft.com/office/drawing/2014/main" id="{4051BCEB-299B-085C-7660-B12A5B2F19B8}"/>
               </a:ext>
             </a:extLst>
           </p:cNvPr>
@@ -504,7 +504,7 @@
           <a:bodyPr/>
           <a:lstStyle/>
           <a:p>
-            <a:fld id="{AD797A6D-0F70-4A00-BA7C-F8805892E5C7}" type="slidenum">
+            <a:fld id="{16F6C963-F525-4924-95C2-289DF918C99D}" type="slidenum">
               <a:rPr lang="zh-CN" altLang="en-US" smtClean="0"/>
               <a:t>‹#›</a:t>
             </a:fld>
@@ -515,7 +515,7 @@
     </p:spTree>
     <p:extLst>
       <p:ext uri="{BB962C8B-B14F-4D97-AF65-F5344CB8AC3E}">
-        <p14:creationId xmlns:p14="http://schemas.microsoft.com/office/powerpoint/2010/main" val="2621719469"/>
+        <p14:creationId xmlns:p14="http://schemas.microsoft.com/office/powerpoint/2010/main" val="4289150172"/>
       </p:ext>
     </p:extLst>
   </p:cSld>
@@ -547,7 +547,7 @@
           <p:cNvPr id="2" name="竖排标题 1">
             <a:extLst>
               <a:ext uri="{FF2B5EF4-FFF2-40B4-BE49-F238E27FC236}">
-                <a16:creationId xmlns:a16="http://schemas.microsoft.com/office/drawing/2014/main" id="{2050CA4B-6E1A-4048-35FD-C8E7E5564374}"/>
+                <a16:creationId xmlns:a16="http://schemas.microsoft.com/office/drawing/2014/main" id="{07E1A11C-187E-E54D-7596-14326BDD4F65}"/>
               </a:ext>
             </a:extLst>
           </p:cNvPr>
@@ -580,7 +580,7 @@
           <p:cNvPr id="3" name="竖排文字占位符 2">
             <a:extLst>
               <a:ext uri="{FF2B5EF4-FFF2-40B4-BE49-F238E27FC236}">
-                <a16:creationId xmlns:a16="http://schemas.microsoft.com/office/drawing/2014/main" id="{EC4A31ED-6A3D-54C1-74AB-7387A96F7499}"/>
+                <a16:creationId xmlns:a16="http://schemas.microsoft.com/office/drawing/2014/main" id="{00D44824-B302-0134-5678-29E178C73529}"/>
               </a:ext>
             </a:extLst>
           </p:cNvPr>
@@ -642,7 +642,7 @@
           <p:cNvPr id="4" name="日期占位符 3">
             <a:extLst>
               <a:ext uri="{FF2B5EF4-FFF2-40B4-BE49-F238E27FC236}">
-                <a16:creationId xmlns:a16="http://schemas.microsoft.com/office/drawing/2014/main" id="{33057114-3564-D732-D7F4-03320E5C3AA4}"/>
+                <a16:creationId xmlns:a16="http://schemas.microsoft.com/office/drawing/2014/main" id="{F2E6B0FD-4C12-65C2-999E-E952B9D0C3A5}"/>
               </a:ext>
             </a:extLst>
           </p:cNvPr>
@@ -658,7 +658,7 @@
           <a:bodyPr/>
           <a:lstStyle/>
           <a:p>
-            <a:fld id="{D27E9670-ADA7-4572-BC86-4C8FD729C80C}" type="datetimeFigureOut">
+            <a:fld id="{098A16C6-DC88-4387-BC03-4B6D34A63A56}" type="datetimeFigureOut">
               <a:rPr lang="zh-CN" altLang="en-US" smtClean="0"/>
               <a:t>2024/3/10</a:t>
             </a:fld>
@@ -671,7 +671,7 @@
           <p:cNvPr id="5" name="页脚占位符 4">
             <a:extLst>
               <a:ext uri="{FF2B5EF4-FFF2-40B4-BE49-F238E27FC236}">
-                <a16:creationId xmlns:a16="http://schemas.microsoft.com/office/drawing/2014/main" id="{2F61AB40-CDBE-A43D-FBA0-0C7E0C2642E0}"/>
+                <a16:creationId xmlns:a16="http://schemas.microsoft.com/office/drawing/2014/main" id="{8EF6BD42-6AAA-2B9E-2697-56734E6525BD}"/>
               </a:ext>
             </a:extLst>
           </p:cNvPr>
@@ -696,7 +696,7 @@
           <p:cNvPr id="6" name="灯片编号占位符 5">
             <a:extLst>
               <a:ext uri="{FF2B5EF4-FFF2-40B4-BE49-F238E27FC236}">
-                <a16:creationId xmlns:a16="http://schemas.microsoft.com/office/drawing/2014/main" id="{7C1AD332-B317-FB1C-0766-7462E81B1BE6}"/>
+                <a16:creationId xmlns:a16="http://schemas.microsoft.com/office/drawing/2014/main" id="{FB636ACB-61A6-E8F6-716D-3035B1D674D9}"/>
               </a:ext>
             </a:extLst>
           </p:cNvPr>
@@ -712,7 +712,7 @@
           <a:bodyPr/>
           <a:lstStyle/>
           <a:p>
-            <a:fld id="{AD797A6D-0F70-4A00-BA7C-F8805892E5C7}" type="slidenum">
+            <a:fld id="{16F6C963-F525-4924-95C2-289DF918C99D}" type="slidenum">
               <a:rPr lang="zh-CN" altLang="en-US" smtClean="0"/>
               <a:t>‹#›</a:t>
             </a:fld>
@@ -723,7 +723,7 @@
     </p:spTree>
     <p:extLst>
       <p:ext uri="{BB962C8B-B14F-4D97-AF65-F5344CB8AC3E}">
-        <p14:creationId xmlns:p14="http://schemas.microsoft.com/office/powerpoint/2010/main" val="3888229264"/>
+        <p14:creationId xmlns:p14="http://schemas.microsoft.com/office/powerpoint/2010/main" val="2276860062"/>
       </p:ext>
     </p:extLst>
   </p:cSld>
@@ -755,7 +755,7 @@
           <p:cNvPr id="2" name="标题 1">
             <a:extLst>
               <a:ext uri="{FF2B5EF4-FFF2-40B4-BE49-F238E27FC236}">
-                <a16:creationId xmlns:a16="http://schemas.microsoft.com/office/drawing/2014/main" id="{54DFCA18-44C8-A33B-DEE2-349B2826FA5B}"/>
+                <a16:creationId xmlns:a16="http://schemas.microsoft.com/office/drawing/2014/main" id="{3488F3AB-E7D5-6A7F-9597-8042BB68AF3A}"/>
               </a:ext>
             </a:extLst>
           </p:cNvPr>
@@ -783,7 +783,7 @@
           <p:cNvPr id="3" name="内容占位符 2">
             <a:extLst>
               <a:ext uri="{FF2B5EF4-FFF2-40B4-BE49-F238E27FC236}">
-                <a16:creationId xmlns:a16="http://schemas.microsoft.com/office/drawing/2014/main" id="{0C60AE35-8B19-4934-A6C9-B2341027365F}"/>
+                <a16:creationId xmlns:a16="http://schemas.microsoft.com/office/drawing/2014/main" id="{1580332B-6358-3B7E-24EB-357BC40F837C}"/>
               </a:ext>
             </a:extLst>
           </p:cNvPr>
@@ -840,7 +840,7 @@
           <p:cNvPr id="4" name="日期占位符 3">
             <a:extLst>
               <a:ext uri="{FF2B5EF4-FFF2-40B4-BE49-F238E27FC236}">
-                <a16:creationId xmlns:a16="http://schemas.microsoft.com/office/drawing/2014/main" id="{D5DC0728-6CCD-F0EB-3EA4-309E50131074}"/>
+                <a16:creationId xmlns:a16="http://schemas.microsoft.com/office/drawing/2014/main" id="{B62BEFFC-1FA5-21FA-5F74-9BA36A2B1950}"/>
               </a:ext>
             </a:extLst>
           </p:cNvPr>
@@ -856,7 +856,7 @@
           <a:bodyPr/>
           <a:lstStyle/>
           <a:p>
-            <a:fld id="{D27E9670-ADA7-4572-BC86-4C8FD729C80C}" type="datetimeFigureOut">
+            <a:fld id="{098A16C6-DC88-4387-BC03-4B6D34A63A56}" type="datetimeFigureOut">
               <a:rPr lang="zh-CN" altLang="en-US" smtClean="0"/>
               <a:t>2024/3/10</a:t>
             </a:fld>
@@ -869,7 +869,7 @@
           <p:cNvPr id="5" name="页脚占位符 4">
             <a:extLst>
               <a:ext uri="{FF2B5EF4-FFF2-40B4-BE49-F238E27FC236}">
-                <a16:creationId xmlns:a16="http://schemas.microsoft.com/office/drawing/2014/main" id="{42A2A9DF-5F9D-922A-2A2E-46773F51B554}"/>
+                <a16:creationId xmlns:a16="http://schemas.microsoft.com/office/drawing/2014/main" id="{07661E05-140D-CE67-1431-25173B2D8EE9}"/>
               </a:ext>
             </a:extLst>
           </p:cNvPr>
@@ -894,7 +894,7 @@
           <p:cNvPr id="6" name="灯片编号占位符 5">
             <a:extLst>
               <a:ext uri="{FF2B5EF4-FFF2-40B4-BE49-F238E27FC236}">
-                <a16:creationId xmlns:a16="http://schemas.microsoft.com/office/drawing/2014/main" id="{047C40B1-330D-F65F-7FAD-8F6E0E00B987}"/>
+                <a16:creationId xmlns:a16="http://schemas.microsoft.com/office/drawing/2014/main" id="{A6D7D849-8612-F9B2-DCE1-8079B406B810}"/>
               </a:ext>
             </a:extLst>
           </p:cNvPr>
@@ -910,7 +910,7 @@
           <a:bodyPr/>
           <a:lstStyle/>
           <a:p>
-            <a:fld id="{AD797A6D-0F70-4A00-BA7C-F8805892E5C7}" type="slidenum">
+            <a:fld id="{16F6C963-F525-4924-95C2-289DF918C99D}" type="slidenum">
               <a:rPr lang="zh-CN" altLang="en-US" smtClean="0"/>
               <a:t>‹#›</a:t>
             </a:fld>
@@ -921,7 +921,7 @@
     </p:spTree>
     <p:extLst>
       <p:ext uri="{BB962C8B-B14F-4D97-AF65-F5344CB8AC3E}">
-        <p14:creationId xmlns:p14="http://schemas.microsoft.com/office/powerpoint/2010/main" val="598889170"/>
+        <p14:creationId xmlns:p14="http://schemas.microsoft.com/office/powerpoint/2010/main" val="974153875"/>
       </p:ext>
     </p:extLst>
   </p:cSld>
@@ -953,7 +953,7 @@
           <p:cNvPr id="2" name="标题 1">
             <a:extLst>
               <a:ext uri="{FF2B5EF4-FFF2-40B4-BE49-F238E27FC236}">
-                <a16:creationId xmlns:a16="http://schemas.microsoft.com/office/drawing/2014/main" id="{D735626F-C4E8-D5AD-17D4-CC6DA737DDD3}"/>
+                <a16:creationId xmlns:a16="http://schemas.microsoft.com/office/drawing/2014/main" id="{A6BD3D2E-4B81-240A-F2E2-EC7E05F691AB}"/>
               </a:ext>
             </a:extLst>
           </p:cNvPr>
@@ -990,7 +990,7 @@
           <p:cNvPr id="3" name="文本占位符 2">
             <a:extLst>
               <a:ext uri="{FF2B5EF4-FFF2-40B4-BE49-F238E27FC236}">
-                <a16:creationId xmlns:a16="http://schemas.microsoft.com/office/drawing/2014/main" id="{331D3674-2290-AF6A-22A4-E4EDCFD3ED00}"/>
+                <a16:creationId xmlns:a16="http://schemas.microsoft.com/office/drawing/2014/main" id="{AD68371B-8955-5C55-8856-5067363B77B4}"/>
               </a:ext>
             </a:extLst>
           </p:cNvPr>
@@ -1115,7 +1115,7 @@
           <p:cNvPr id="4" name="日期占位符 3">
             <a:extLst>
               <a:ext uri="{FF2B5EF4-FFF2-40B4-BE49-F238E27FC236}">
-                <a16:creationId xmlns:a16="http://schemas.microsoft.com/office/drawing/2014/main" id="{3F8F84BE-90F3-9435-6A28-AAEBDCC1E64F}"/>
+                <a16:creationId xmlns:a16="http://schemas.microsoft.com/office/drawing/2014/main" id="{7940A199-8609-DAD7-F325-D992F61AF3D6}"/>
               </a:ext>
             </a:extLst>
           </p:cNvPr>
@@ -1131,7 +1131,7 @@
           <a:bodyPr/>
           <a:lstStyle/>
           <a:p>
-            <a:fld id="{D27E9670-ADA7-4572-BC86-4C8FD729C80C}" type="datetimeFigureOut">
+            <a:fld id="{098A16C6-DC88-4387-BC03-4B6D34A63A56}" type="datetimeFigureOut">
               <a:rPr lang="zh-CN" altLang="en-US" smtClean="0"/>
               <a:t>2024/3/10</a:t>
             </a:fld>
@@ -1144,7 +1144,7 @@
           <p:cNvPr id="5" name="页脚占位符 4">
             <a:extLst>
               <a:ext uri="{FF2B5EF4-FFF2-40B4-BE49-F238E27FC236}">
-                <a16:creationId xmlns:a16="http://schemas.microsoft.com/office/drawing/2014/main" id="{B42B3979-C822-D02A-CF20-636B67E7F0B1}"/>
+                <a16:creationId xmlns:a16="http://schemas.microsoft.com/office/drawing/2014/main" id="{FE4DEC2C-99FB-942D-633F-B8866F73E937}"/>
               </a:ext>
             </a:extLst>
           </p:cNvPr>
@@ -1169,7 +1169,7 @@
           <p:cNvPr id="6" name="灯片编号占位符 5">
             <a:extLst>
               <a:ext uri="{FF2B5EF4-FFF2-40B4-BE49-F238E27FC236}">
-                <a16:creationId xmlns:a16="http://schemas.microsoft.com/office/drawing/2014/main" id="{C9D71166-8965-24FC-8D96-9D1BD214832E}"/>
+                <a16:creationId xmlns:a16="http://schemas.microsoft.com/office/drawing/2014/main" id="{20DEAA10-BA8B-0E2E-6C05-66A264A66616}"/>
               </a:ext>
             </a:extLst>
           </p:cNvPr>
@@ -1185,7 +1185,7 @@
           <a:bodyPr/>
           <a:lstStyle/>
           <a:p>
-            <a:fld id="{AD797A6D-0F70-4A00-BA7C-F8805892E5C7}" type="slidenum">
+            <a:fld id="{16F6C963-F525-4924-95C2-289DF918C99D}" type="slidenum">
               <a:rPr lang="zh-CN" altLang="en-US" smtClean="0"/>
               <a:t>‹#›</a:t>
             </a:fld>
@@ -1196,7 +1196,7 @@
     </p:spTree>
     <p:extLst>
       <p:ext uri="{BB962C8B-B14F-4D97-AF65-F5344CB8AC3E}">
-        <p14:creationId xmlns:p14="http://schemas.microsoft.com/office/powerpoint/2010/main" val="798683632"/>
+        <p14:creationId xmlns:p14="http://schemas.microsoft.com/office/powerpoint/2010/main" val="463934519"/>
       </p:ext>
     </p:extLst>
   </p:cSld>
@@ -1228,7 +1228,7 @@
           <p:cNvPr id="2" name="标题 1">
             <a:extLst>
               <a:ext uri="{FF2B5EF4-FFF2-40B4-BE49-F238E27FC236}">
-                <a16:creationId xmlns:a16="http://schemas.microsoft.com/office/drawing/2014/main" id="{F9D5ACE0-52ED-4578-4E8B-E0641546A672}"/>
+                <a16:creationId xmlns:a16="http://schemas.microsoft.com/office/drawing/2014/main" id="{2A8DC83B-E301-C91B-8F9C-74D55089D11C}"/>
               </a:ext>
             </a:extLst>
           </p:cNvPr>
@@ -1256,7 +1256,7 @@
           <p:cNvPr id="3" name="内容占位符 2">
             <a:extLst>
               <a:ext uri="{FF2B5EF4-FFF2-40B4-BE49-F238E27FC236}">
-                <a16:creationId xmlns:a16="http://schemas.microsoft.com/office/drawing/2014/main" id="{B7A93BE0-9127-99AD-2083-68DF7E4C8549}"/>
+                <a16:creationId xmlns:a16="http://schemas.microsoft.com/office/drawing/2014/main" id="{12D181A3-9CBA-CBD9-C16D-06FB23F047B1}"/>
               </a:ext>
             </a:extLst>
           </p:cNvPr>
@@ -1318,7 +1318,7 @@
           <p:cNvPr id="4" name="内容占位符 3">
             <a:extLst>
               <a:ext uri="{FF2B5EF4-FFF2-40B4-BE49-F238E27FC236}">
-                <a16:creationId xmlns:a16="http://schemas.microsoft.com/office/drawing/2014/main" id="{CA0F4C72-CD81-B5EE-EDB1-70DC2753A127}"/>
+                <a16:creationId xmlns:a16="http://schemas.microsoft.com/office/drawing/2014/main" id="{69BFB485-188A-8BDF-5612-AEA6B6D97E93}"/>
               </a:ext>
             </a:extLst>
           </p:cNvPr>
@@ -1380,7 +1380,7 @@
           <p:cNvPr id="5" name="日期占位符 4">
             <a:extLst>
               <a:ext uri="{FF2B5EF4-FFF2-40B4-BE49-F238E27FC236}">
-                <a16:creationId xmlns:a16="http://schemas.microsoft.com/office/drawing/2014/main" id="{538E3AD3-8FD8-A31B-983F-39065DF960F9}"/>
+                <a16:creationId xmlns:a16="http://schemas.microsoft.com/office/drawing/2014/main" id="{A4C3A75C-6864-B151-FA42-326543B6A39F}"/>
               </a:ext>
             </a:extLst>
           </p:cNvPr>
@@ -1396,7 +1396,7 @@
           <a:bodyPr/>
           <a:lstStyle/>
           <a:p>
-            <a:fld id="{D27E9670-ADA7-4572-BC86-4C8FD729C80C}" type="datetimeFigureOut">
+            <a:fld id="{098A16C6-DC88-4387-BC03-4B6D34A63A56}" type="datetimeFigureOut">
               <a:rPr lang="zh-CN" altLang="en-US" smtClean="0"/>
               <a:t>2024/3/10</a:t>
             </a:fld>
@@ -1409,7 +1409,7 @@
           <p:cNvPr id="6" name="页脚占位符 5">
             <a:extLst>
               <a:ext uri="{FF2B5EF4-FFF2-40B4-BE49-F238E27FC236}">
-                <a16:creationId xmlns:a16="http://schemas.microsoft.com/office/drawing/2014/main" id="{1FE3E529-65BF-8BAC-722E-DB5D746F2829}"/>
+                <a16:creationId xmlns:a16="http://schemas.microsoft.com/office/drawing/2014/main" id="{307358C0-89BA-A3C8-A0A8-8BF82872ECA3}"/>
               </a:ext>
             </a:extLst>
           </p:cNvPr>
@@ -1434,7 +1434,7 @@
           <p:cNvPr id="7" name="灯片编号占位符 6">
             <a:extLst>
               <a:ext uri="{FF2B5EF4-FFF2-40B4-BE49-F238E27FC236}">
-                <a16:creationId xmlns:a16="http://schemas.microsoft.com/office/drawing/2014/main" id="{ABFF0321-DF6D-B356-9BB0-1C861999E779}"/>
+                <a16:creationId xmlns:a16="http://schemas.microsoft.com/office/drawing/2014/main" id="{70C62B8A-BF33-A5C3-2740-B92D325727C0}"/>
               </a:ext>
             </a:extLst>
           </p:cNvPr>
@@ -1450,7 +1450,7 @@
           <a:bodyPr/>
           <a:lstStyle/>
           <a:p>
-            <a:fld id="{AD797A6D-0F70-4A00-BA7C-F8805892E5C7}" type="slidenum">
+            <a:fld id="{16F6C963-F525-4924-95C2-289DF918C99D}" type="slidenum">
               <a:rPr lang="zh-CN" altLang="en-US" smtClean="0"/>
               <a:t>‹#›</a:t>
             </a:fld>
@@ -1461,7 +1461,7 @@
     </p:spTree>
     <p:extLst>
       <p:ext uri="{BB962C8B-B14F-4D97-AF65-F5344CB8AC3E}">
-        <p14:creationId xmlns:p14="http://schemas.microsoft.com/office/powerpoint/2010/main" val="1897587031"/>
+        <p14:creationId xmlns:p14="http://schemas.microsoft.com/office/powerpoint/2010/main" val="2484924194"/>
       </p:ext>
     </p:extLst>
   </p:cSld>
@@ -1493,7 +1493,7 @@
           <p:cNvPr id="2" name="标题 1">
             <a:extLst>
               <a:ext uri="{FF2B5EF4-FFF2-40B4-BE49-F238E27FC236}">
-                <a16:creationId xmlns:a16="http://schemas.microsoft.com/office/drawing/2014/main" id="{8E916EA5-9E9B-697F-5A1C-8F937D484273}"/>
+                <a16:creationId xmlns:a16="http://schemas.microsoft.com/office/drawing/2014/main" id="{360A18FC-E1A4-0A8A-1D3F-D8DA6911B61B}"/>
               </a:ext>
             </a:extLst>
           </p:cNvPr>
@@ -1526,7 +1526,7 @@
           <p:cNvPr id="3" name="文本占位符 2">
             <a:extLst>
               <a:ext uri="{FF2B5EF4-FFF2-40B4-BE49-F238E27FC236}">
-                <a16:creationId xmlns:a16="http://schemas.microsoft.com/office/drawing/2014/main" id="{180CA345-BA41-4CF6-6813-E681DCA3F42B}"/>
+                <a16:creationId xmlns:a16="http://schemas.microsoft.com/office/drawing/2014/main" id="{E15CCCD0-B81C-766A-0E6F-89069FA28A79}"/>
               </a:ext>
             </a:extLst>
           </p:cNvPr>
@@ -1597,7 +1597,7 @@
           <p:cNvPr id="4" name="内容占位符 3">
             <a:extLst>
               <a:ext uri="{FF2B5EF4-FFF2-40B4-BE49-F238E27FC236}">
-                <a16:creationId xmlns:a16="http://schemas.microsoft.com/office/drawing/2014/main" id="{0E8B3E92-64A5-0F64-59DB-568173A33F86}"/>
+                <a16:creationId xmlns:a16="http://schemas.microsoft.com/office/drawing/2014/main" id="{D359A7AB-F71B-4A10-9A31-8CD94E9D7162}"/>
               </a:ext>
             </a:extLst>
           </p:cNvPr>
@@ -1659,7 +1659,7 @@
           <p:cNvPr id="5" name="文本占位符 4">
             <a:extLst>
               <a:ext uri="{FF2B5EF4-FFF2-40B4-BE49-F238E27FC236}">
-                <a16:creationId xmlns:a16="http://schemas.microsoft.com/office/drawing/2014/main" id="{B36EC7FD-D037-A29F-0292-667130805537}"/>
+                <a16:creationId xmlns:a16="http://schemas.microsoft.com/office/drawing/2014/main" id="{74C1AE7F-59FC-5667-2ABC-A9AD3D192F3A}"/>
               </a:ext>
             </a:extLst>
           </p:cNvPr>
@@ -1730,7 +1730,7 @@
           <p:cNvPr id="6" name="内容占位符 5">
             <a:extLst>
               <a:ext uri="{FF2B5EF4-FFF2-40B4-BE49-F238E27FC236}">
-                <a16:creationId xmlns:a16="http://schemas.microsoft.com/office/drawing/2014/main" id="{F2D3763D-F74D-513A-922D-A82BB2C9E905}"/>
+                <a16:creationId xmlns:a16="http://schemas.microsoft.com/office/drawing/2014/main" id="{A3444E42-2238-013B-DDFF-381B4786191C}"/>
               </a:ext>
             </a:extLst>
           </p:cNvPr>
@@ -1792,7 +1792,7 @@
           <p:cNvPr id="7" name="日期占位符 6">
             <a:extLst>
               <a:ext uri="{FF2B5EF4-FFF2-40B4-BE49-F238E27FC236}">
-                <a16:creationId xmlns:a16="http://schemas.microsoft.com/office/drawing/2014/main" id="{2F088816-39FF-8FBE-60F9-3FAED0AD27D9}"/>
+                <a16:creationId xmlns:a16="http://schemas.microsoft.com/office/drawing/2014/main" id="{8268ED04-398D-9B9F-92E1-B6489CB83AD8}"/>
               </a:ext>
             </a:extLst>
           </p:cNvPr>
@@ -1808,7 +1808,7 @@
           <a:bodyPr/>
           <a:lstStyle/>
           <a:p>
-            <a:fld id="{D27E9670-ADA7-4572-BC86-4C8FD729C80C}" type="datetimeFigureOut">
+            <a:fld id="{098A16C6-DC88-4387-BC03-4B6D34A63A56}" type="datetimeFigureOut">
               <a:rPr lang="zh-CN" altLang="en-US" smtClean="0"/>
               <a:t>2024/3/10</a:t>
             </a:fld>
@@ -1821,7 +1821,7 @@
           <p:cNvPr id="8" name="页脚占位符 7">
             <a:extLst>
               <a:ext uri="{FF2B5EF4-FFF2-40B4-BE49-F238E27FC236}">
-                <a16:creationId xmlns:a16="http://schemas.microsoft.com/office/drawing/2014/main" id="{3C1F31A2-0A0A-3C2D-0D62-06F870BDE182}"/>
+                <a16:creationId xmlns:a16="http://schemas.microsoft.com/office/drawing/2014/main" id="{7EA05F97-3EE5-406A-7272-21C178C22E9A}"/>
               </a:ext>
             </a:extLst>
           </p:cNvPr>
@@ -1846,7 +1846,7 @@
           <p:cNvPr id="9" name="灯片编号占位符 8">
             <a:extLst>
               <a:ext uri="{FF2B5EF4-FFF2-40B4-BE49-F238E27FC236}">
-                <a16:creationId xmlns:a16="http://schemas.microsoft.com/office/drawing/2014/main" id="{0B249B3F-EE0B-3078-0352-E6F4222342D5}"/>
+                <a16:creationId xmlns:a16="http://schemas.microsoft.com/office/drawing/2014/main" id="{F80CA287-BCC8-DB7F-52A4-616056609C2E}"/>
               </a:ext>
             </a:extLst>
           </p:cNvPr>
@@ -1862,7 +1862,7 @@
           <a:bodyPr/>
           <a:lstStyle/>
           <a:p>
-            <a:fld id="{AD797A6D-0F70-4A00-BA7C-F8805892E5C7}" type="slidenum">
+            <a:fld id="{16F6C963-F525-4924-95C2-289DF918C99D}" type="slidenum">
               <a:rPr lang="zh-CN" altLang="en-US" smtClean="0"/>
               <a:t>‹#›</a:t>
             </a:fld>
@@ -1873,7 +1873,7 @@
     </p:spTree>
     <p:extLst>
       <p:ext uri="{BB962C8B-B14F-4D97-AF65-F5344CB8AC3E}">
-        <p14:creationId xmlns:p14="http://schemas.microsoft.com/office/powerpoint/2010/main" val="3128806991"/>
+        <p14:creationId xmlns:p14="http://schemas.microsoft.com/office/powerpoint/2010/main" val="2757246353"/>
       </p:ext>
     </p:extLst>
   </p:cSld>
@@ -1905,7 +1905,7 @@
           <p:cNvPr id="2" name="标题 1">
             <a:extLst>
               <a:ext uri="{FF2B5EF4-FFF2-40B4-BE49-F238E27FC236}">
-                <a16:creationId xmlns:a16="http://schemas.microsoft.com/office/drawing/2014/main" id="{FE32FD77-0460-9E3F-039B-5B5BC374B8D5}"/>
+                <a16:creationId xmlns:a16="http://schemas.microsoft.com/office/drawing/2014/main" id="{500060B8-CCB2-7BD0-5C0A-83F439EEB1D6}"/>
               </a:ext>
             </a:extLst>
           </p:cNvPr>
@@ -1933,7 +1933,7 @@
           <p:cNvPr id="3" name="日期占位符 2">
             <a:extLst>
               <a:ext uri="{FF2B5EF4-FFF2-40B4-BE49-F238E27FC236}">
-                <a16:creationId xmlns:a16="http://schemas.microsoft.com/office/drawing/2014/main" id="{A972E244-816F-7F64-FEB2-003EC13C48BF}"/>
+                <a16:creationId xmlns:a16="http://schemas.microsoft.com/office/drawing/2014/main" id="{262E0197-AEBE-8E48-681F-59BFD10439E9}"/>
               </a:ext>
             </a:extLst>
           </p:cNvPr>
@@ -1949,7 +1949,7 @@
           <a:bodyPr/>
           <a:lstStyle/>
           <a:p>
-            <a:fld id="{D27E9670-ADA7-4572-BC86-4C8FD729C80C}" type="datetimeFigureOut">
+            <a:fld id="{098A16C6-DC88-4387-BC03-4B6D34A63A56}" type="datetimeFigureOut">
               <a:rPr lang="zh-CN" altLang="en-US" smtClean="0"/>
               <a:t>2024/3/10</a:t>
             </a:fld>
@@ -1962,7 +1962,7 @@
           <p:cNvPr id="4" name="页脚占位符 3">
             <a:extLst>
               <a:ext uri="{FF2B5EF4-FFF2-40B4-BE49-F238E27FC236}">
-                <a16:creationId xmlns:a16="http://schemas.microsoft.com/office/drawing/2014/main" id="{948C8660-9462-10A2-6478-8CED8E810E4D}"/>
+                <a16:creationId xmlns:a16="http://schemas.microsoft.com/office/drawing/2014/main" id="{B92E2640-AF10-727C-AE82-BA61FBB9AB34}"/>
               </a:ext>
             </a:extLst>
           </p:cNvPr>
@@ -1987,7 +1987,7 @@
           <p:cNvPr id="5" name="灯片编号占位符 4">
             <a:extLst>
               <a:ext uri="{FF2B5EF4-FFF2-40B4-BE49-F238E27FC236}">
-                <a16:creationId xmlns:a16="http://schemas.microsoft.com/office/drawing/2014/main" id="{7E9BB064-599C-EAC3-3CEF-2510910AF032}"/>
+                <a16:creationId xmlns:a16="http://schemas.microsoft.com/office/drawing/2014/main" id="{DCADA028-E70E-4D8D-8FDD-1885DDA69702}"/>
               </a:ext>
             </a:extLst>
           </p:cNvPr>
@@ -2003,7 +2003,7 @@
           <a:bodyPr/>
           <a:lstStyle/>
           <a:p>
-            <a:fld id="{AD797A6D-0F70-4A00-BA7C-F8805892E5C7}" type="slidenum">
+            <a:fld id="{16F6C963-F525-4924-95C2-289DF918C99D}" type="slidenum">
               <a:rPr lang="zh-CN" altLang="en-US" smtClean="0"/>
               <a:t>‹#›</a:t>
             </a:fld>
@@ -2014,7 +2014,7 @@
     </p:spTree>
     <p:extLst>
       <p:ext uri="{BB962C8B-B14F-4D97-AF65-F5344CB8AC3E}">
-        <p14:creationId xmlns:p14="http://schemas.microsoft.com/office/powerpoint/2010/main" val="1911210117"/>
+        <p14:creationId xmlns:p14="http://schemas.microsoft.com/office/powerpoint/2010/main" val="634444805"/>
       </p:ext>
     </p:extLst>
   </p:cSld>
@@ -2046,7 +2046,7 @@
           <p:cNvPr id="2" name="日期占位符 1">
             <a:extLst>
               <a:ext uri="{FF2B5EF4-FFF2-40B4-BE49-F238E27FC236}">
-                <a16:creationId xmlns:a16="http://schemas.microsoft.com/office/drawing/2014/main" id="{5B9D4A45-5AFD-0217-C634-A2DF9F2B135B}"/>
+                <a16:creationId xmlns:a16="http://schemas.microsoft.com/office/drawing/2014/main" id="{BEB486BF-DC4F-F361-35F5-D5015A650138}"/>
               </a:ext>
             </a:extLst>
           </p:cNvPr>
@@ -2062,7 +2062,7 @@
           <a:bodyPr/>
           <a:lstStyle/>
           <a:p>
-            <a:fld id="{D27E9670-ADA7-4572-BC86-4C8FD729C80C}" type="datetimeFigureOut">
+            <a:fld id="{098A16C6-DC88-4387-BC03-4B6D34A63A56}" type="datetimeFigureOut">
               <a:rPr lang="zh-CN" altLang="en-US" smtClean="0"/>
               <a:t>2024/3/10</a:t>
             </a:fld>
@@ -2075,7 +2075,7 @@
           <p:cNvPr id="3" name="页脚占位符 2">
             <a:extLst>
               <a:ext uri="{FF2B5EF4-FFF2-40B4-BE49-F238E27FC236}">
-                <a16:creationId xmlns:a16="http://schemas.microsoft.com/office/drawing/2014/main" id="{9D9FABD1-BDBB-9322-5636-7BC4125929E0}"/>
+                <a16:creationId xmlns:a16="http://schemas.microsoft.com/office/drawing/2014/main" id="{3F717C90-41C8-1CDF-0813-7ACA3C02595E}"/>
               </a:ext>
             </a:extLst>
           </p:cNvPr>
@@ -2100,7 +2100,7 @@
           <p:cNvPr id="4" name="灯片编号占位符 3">
             <a:extLst>
               <a:ext uri="{FF2B5EF4-FFF2-40B4-BE49-F238E27FC236}">
-                <a16:creationId xmlns:a16="http://schemas.microsoft.com/office/drawing/2014/main" id="{AC3677AD-12C0-227B-0A13-89131D3B976E}"/>
+                <a16:creationId xmlns:a16="http://schemas.microsoft.com/office/drawing/2014/main" id="{FCFDD0EC-51CC-3984-D62C-24EA545B24CA}"/>
               </a:ext>
             </a:extLst>
           </p:cNvPr>
@@ -2116,7 +2116,7 @@
           <a:bodyPr/>
           <a:lstStyle/>
           <a:p>
-            <a:fld id="{AD797A6D-0F70-4A00-BA7C-F8805892E5C7}" type="slidenum">
+            <a:fld id="{16F6C963-F525-4924-95C2-289DF918C99D}" type="slidenum">
               <a:rPr lang="zh-CN" altLang="en-US" smtClean="0"/>
               <a:t>‹#›</a:t>
             </a:fld>
@@ -2127,7 +2127,7 @@
     </p:spTree>
     <p:extLst>
       <p:ext uri="{BB962C8B-B14F-4D97-AF65-F5344CB8AC3E}">
-        <p14:creationId xmlns:p14="http://schemas.microsoft.com/office/powerpoint/2010/main" val="3993049479"/>
+        <p14:creationId xmlns:p14="http://schemas.microsoft.com/office/powerpoint/2010/main" val="319941595"/>
       </p:ext>
     </p:extLst>
   </p:cSld>
@@ -2159,7 +2159,7 @@
           <p:cNvPr id="2" name="标题 1">
             <a:extLst>
               <a:ext uri="{FF2B5EF4-FFF2-40B4-BE49-F238E27FC236}">
-                <a16:creationId xmlns:a16="http://schemas.microsoft.com/office/drawing/2014/main" id="{73D3E62D-2C7D-5DC5-DBC1-AF1D7C88686B}"/>
+                <a16:creationId xmlns:a16="http://schemas.microsoft.com/office/drawing/2014/main" id="{3F102328-E678-3BCF-2331-439EBC175C1A}"/>
               </a:ext>
             </a:extLst>
           </p:cNvPr>
@@ -2196,7 +2196,7 @@
           <p:cNvPr id="3" name="内容占位符 2">
             <a:extLst>
               <a:ext uri="{FF2B5EF4-FFF2-40B4-BE49-F238E27FC236}">
-                <a16:creationId xmlns:a16="http://schemas.microsoft.com/office/drawing/2014/main" id="{6E2A315F-0252-8DBA-2BF7-7BCDEA16A13F}"/>
+                <a16:creationId xmlns:a16="http://schemas.microsoft.com/office/drawing/2014/main" id="{D6478E79-0418-7993-FDF3-E8A4F473EB43}"/>
               </a:ext>
             </a:extLst>
           </p:cNvPr>
@@ -2286,7 +2286,7 @@
           <p:cNvPr id="4" name="文本占位符 3">
             <a:extLst>
               <a:ext uri="{FF2B5EF4-FFF2-40B4-BE49-F238E27FC236}">
-                <a16:creationId xmlns:a16="http://schemas.microsoft.com/office/drawing/2014/main" id="{E5526FCA-FA13-E3D9-879E-CC86BF4F73F1}"/>
+                <a16:creationId xmlns:a16="http://schemas.microsoft.com/office/drawing/2014/main" id="{B2B42CCE-23A8-D216-41F0-E08DC8309DB5}"/>
               </a:ext>
             </a:extLst>
           </p:cNvPr>
@@ -2357,7 +2357,7 @@
           <p:cNvPr id="5" name="日期占位符 4">
             <a:extLst>
               <a:ext uri="{FF2B5EF4-FFF2-40B4-BE49-F238E27FC236}">
-                <a16:creationId xmlns:a16="http://schemas.microsoft.com/office/drawing/2014/main" id="{AA4511CF-2472-2B9F-D759-38DF421AA274}"/>
+                <a16:creationId xmlns:a16="http://schemas.microsoft.com/office/drawing/2014/main" id="{4DB44AAF-2143-4BDD-31D8-983CED971557}"/>
               </a:ext>
             </a:extLst>
           </p:cNvPr>
@@ -2373,7 +2373,7 @@
           <a:bodyPr/>
           <a:lstStyle/>
           <a:p>
-            <a:fld id="{D27E9670-ADA7-4572-BC86-4C8FD729C80C}" type="datetimeFigureOut">
+            <a:fld id="{098A16C6-DC88-4387-BC03-4B6D34A63A56}" type="datetimeFigureOut">
               <a:rPr lang="zh-CN" altLang="en-US" smtClean="0"/>
               <a:t>2024/3/10</a:t>
             </a:fld>
@@ -2386,7 +2386,7 @@
           <p:cNvPr id="6" name="页脚占位符 5">
             <a:extLst>
               <a:ext uri="{FF2B5EF4-FFF2-40B4-BE49-F238E27FC236}">
-                <a16:creationId xmlns:a16="http://schemas.microsoft.com/office/drawing/2014/main" id="{6E2E7C0F-A2FA-B252-DC7A-47493C0638B7}"/>
+                <a16:creationId xmlns:a16="http://schemas.microsoft.com/office/drawing/2014/main" id="{E33FA29A-34B3-B6CF-404F-244C24819AC3}"/>
               </a:ext>
             </a:extLst>
           </p:cNvPr>
@@ -2411,7 +2411,7 @@
           <p:cNvPr id="7" name="灯片编号占位符 6">
             <a:extLst>
               <a:ext uri="{FF2B5EF4-FFF2-40B4-BE49-F238E27FC236}">
-                <a16:creationId xmlns:a16="http://schemas.microsoft.com/office/drawing/2014/main" id="{7B492ACB-A2F3-3B30-B094-20ECA5B6FF0D}"/>
+                <a16:creationId xmlns:a16="http://schemas.microsoft.com/office/drawing/2014/main" id="{64BE92D4-03FE-BD07-5E38-C4661029402F}"/>
               </a:ext>
             </a:extLst>
           </p:cNvPr>
@@ -2427,7 +2427,7 @@
           <a:bodyPr/>
           <a:lstStyle/>
           <a:p>
-            <a:fld id="{AD797A6D-0F70-4A00-BA7C-F8805892E5C7}" type="slidenum">
+            <a:fld id="{16F6C963-F525-4924-95C2-289DF918C99D}" type="slidenum">
               <a:rPr lang="zh-CN" altLang="en-US" smtClean="0"/>
               <a:t>‹#›</a:t>
             </a:fld>
@@ -2438,7 +2438,7 @@
     </p:spTree>
     <p:extLst>
       <p:ext uri="{BB962C8B-B14F-4D97-AF65-F5344CB8AC3E}">
-        <p14:creationId xmlns:p14="http://schemas.microsoft.com/office/powerpoint/2010/main" val="3016707513"/>
+        <p14:creationId xmlns:p14="http://schemas.microsoft.com/office/powerpoint/2010/main" val="154776637"/>
       </p:ext>
     </p:extLst>
   </p:cSld>
@@ -2470,7 +2470,7 @@
           <p:cNvPr id="2" name="标题 1">
             <a:extLst>
               <a:ext uri="{FF2B5EF4-FFF2-40B4-BE49-F238E27FC236}">
-                <a16:creationId xmlns:a16="http://schemas.microsoft.com/office/drawing/2014/main" id="{A9946EE8-03F7-3E0A-81BB-7244BCA6A7E8}"/>
+                <a16:creationId xmlns:a16="http://schemas.microsoft.com/office/drawing/2014/main" id="{E39F1EE1-4C1A-11B8-C676-2DD6CC7994C7}"/>
               </a:ext>
             </a:extLst>
           </p:cNvPr>
@@ -2507,7 +2507,7 @@
           <p:cNvPr id="3" name="图片占位符 2">
             <a:extLst>
               <a:ext uri="{FF2B5EF4-FFF2-40B4-BE49-F238E27FC236}">
-                <a16:creationId xmlns:a16="http://schemas.microsoft.com/office/drawing/2014/main" id="{A62D77B3-D00F-0F06-B815-8D01895891EF}"/>
+                <a16:creationId xmlns:a16="http://schemas.microsoft.com/office/drawing/2014/main" id="{F39DB790-4F3B-55BC-BFE9-0C5D8FC0E775}"/>
               </a:ext>
             </a:extLst>
           </p:cNvPr>
@@ -2574,7 +2574,7 @@
           <p:cNvPr id="4" name="文本占位符 3">
             <a:extLst>
               <a:ext uri="{FF2B5EF4-FFF2-40B4-BE49-F238E27FC236}">
-                <a16:creationId xmlns:a16="http://schemas.microsoft.com/office/drawing/2014/main" id="{A3FB8A76-2E76-EB2A-3FFA-FA2305AC2BD9}"/>
+                <a16:creationId xmlns:a16="http://schemas.microsoft.com/office/drawing/2014/main" id="{B97E300F-9FF9-5D90-98CA-578F01ADE800}"/>
               </a:ext>
             </a:extLst>
           </p:cNvPr>
@@ -2645,7 +2645,7 @@
           <p:cNvPr id="5" name="日期占位符 4">
             <a:extLst>
               <a:ext uri="{FF2B5EF4-FFF2-40B4-BE49-F238E27FC236}">
-                <a16:creationId xmlns:a16="http://schemas.microsoft.com/office/drawing/2014/main" id="{B3978F01-7022-766C-70B4-673675B7149E}"/>
+                <a16:creationId xmlns:a16="http://schemas.microsoft.com/office/drawing/2014/main" id="{1B19C4E8-3526-C3D6-7632-E4F0D8C9C564}"/>
               </a:ext>
             </a:extLst>
           </p:cNvPr>
@@ -2661,7 +2661,7 @@
           <a:bodyPr/>
           <a:lstStyle/>
           <a:p>
-            <a:fld id="{D27E9670-ADA7-4572-BC86-4C8FD729C80C}" type="datetimeFigureOut">
+            <a:fld id="{098A16C6-DC88-4387-BC03-4B6D34A63A56}" type="datetimeFigureOut">
               <a:rPr lang="zh-CN" altLang="en-US" smtClean="0"/>
               <a:t>2024/3/10</a:t>
             </a:fld>
@@ -2674,7 +2674,7 @@
           <p:cNvPr id="6" name="页脚占位符 5">
             <a:extLst>
               <a:ext uri="{FF2B5EF4-FFF2-40B4-BE49-F238E27FC236}">
-                <a16:creationId xmlns:a16="http://schemas.microsoft.com/office/drawing/2014/main" id="{5C8BF931-F385-5CFC-A1DE-FF98D7C84FAF}"/>
+                <a16:creationId xmlns:a16="http://schemas.microsoft.com/office/drawing/2014/main" id="{AC0FF348-9A02-3B00-C70E-4150BDC77475}"/>
               </a:ext>
             </a:extLst>
           </p:cNvPr>
@@ -2699,7 +2699,7 @@
           <p:cNvPr id="7" name="灯片编号占位符 6">
             <a:extLst>
               <a:ext uri="{FF2B5EF4-FFF2-40B4-BE49-F238E27FC236}">
-                <a16:creationId xmlns:a16="http://schemas.microsoft.com/office/drawing/2014/main" id="{AA8560C7-27A0-FE6F-60C6-A5D0DA2CD017}"/>
+                <a16:creationId xmlns:a16="http://schemas.microsoft.com/office/drawing/2014/main" id="{93280BBE-25C3-101E-69E3-868665A9F643}"/>
               </a:ext>
             </a:extLst>
           </p:cNvPr>
@@ -2715,7 +2715,7 @@
           <a:bodyPr/>
           <a:lstStyle/>
           <a:p>
-            <a:fld id="{AD797A6D-0F70-4A00-BA7C-F8805892E5C7}" type="slidenum">
+            <a:fld id="{16F6C963-F525-4924-95C2-289DF918C99D}" type="slidenum">
               <a:rPr lang="zh-CN" altLang="en-US" smtClean="0"/>
               <a:t>‹#›</a:t>
             </a:fld>
@@ -2726,7 +2726,7 @@
     </p:spTree>
     <p:extLst>
       <p:ext uri="{BB962C8B-B14F-4D97-AF65-F5344CB8AC3E}">
-        <p14:creationId xmlns:p14="http://schemas.microsoft.com/office/powerpoint/2010/main" val="3808455383"/>
+        <p14:creationId xmlns:p14="http://schemas.microsoft.com/office/powerpoint/2010/main" val="4227529737"/>
       </p:ext>
     </p:extLst>
   </p:cSld>
@@ -2763,7 +2763,7 @@
           <p:cNvPr id="2" name="标题占位符 1">
             <a:extLst>
               <a:ext uri="{FF2B5EF4-FFF2-40B4-BE49-F238E27FC236}">
-                <a16:creationId xmlns:a16="http://schemas.microsoft.com/office/drawing/2014/main" id="{EFECC7D8-CE70-9DBC-7D68-69A504433A50}"/>
+                <a16:creationId xmlns:a16="http://schemas.microsoft.com/office/drawing/2014/main" id="{D348C6B6-8D3B-654A-875D-335649325E56}"/>
               </a:ext>
             </a:extLst>
           </p:cNvPr>
@@ -2801,7 +2801,7 @@
           <p:cNvPr id="3" name="文本占位符 2">
             <a:extLst>
               <a:ext uri="{FF2B5EF4-FFF2-40B4-BE49-F238E27FC236}">
-                <a16:creationId xmlns:a16="http://schemas.microsoft.com/office/drawing/2014/main" id="{6618C3EF-3F46-EE71-E8DA-764A1F6F4406}"/>
+                <a16:creationId xmlns:a16="http://schemas.microsoft.com/office/drawing/2014/main" id="{8B9BCA3D-706F-3785-F02C-FC838AD2435D}"/>
               </a:ext>
             </a:extLst>
           </p:cNvPr>
@@ -2868,7 +2868,7 @@
           <p:cNvPr id="4" name="日期占位符 3">
             <a:extLst>
               <a:ext uri="{FF2B5EF4-FFF2-40B4-BE49-F238E27FC236}">
-                <a16:creationId xmlns:a16="http://schemas.microsoft.com/office/drawing/2014/main" id="{B714531F-4DA3-BD19-EF0F-940A25A879D8}"/>
+                <a16:creationId xmlns:a16="http://schemas.microsoft.com/office/drawing/2014/main" id="{88161D1A-78ED-A324-7218-E9B46A73D43A}"/>
               </a:ext>
             </a:extLst>
           </p:cNvPr>
@@ -2902,7 +2902,7 @@
             </a:lvl1pPr>
           </a:lstStyle>
           <a:p>
-            <a:fld id="{D27E9670-ADA7-4572-BC86-4C8FD729C80C}" type="datetimeFigureOut">
+            <a:fld id="{098A16C6-DC88-4387-BC03-4B6D34A63A56}" type="datetimeFigureOut">
               <a:rPr lang="zh-CN" altLang="en-US" smtClean="0"/>
               <a:t>2024/3/10</a:t>
             </a:fld>
@@ -2915,7 +2915,7 @@
           <p:cNvPr id="5" name="页脚占位符 4">
             <a:extLst>
               <a:ext uri="{FF2B5EF4-FFF2-40B4-BE49-F238E27FC236}">
-                <a16:creationId xmlns:a16="http://schemas.microsoft.com/office/drawing/2014/main" id="{837D0D84-2525-137A-8D99-BAAF1782C14C}"/>
+                <a16:creationId xmlns:a16="http://schemas.microsoft.com/office/drawing/2014/main" id="{36EEA447-000A-4306-20E9-E7F254D92DD9}"/>
               </a:ext>
             </a:extLst>
           </p:cNvPr>
@@ -2958,7 +2958,7 @@
           <p:cNvPr id="6" name="灯片编号占位符 5">
             <a:extLst>
               <a:ext uri="{FF2B5EF4-FFF2-40B4-BE49-F238E27FC236}">
-                <a16:creationId xmlns:a16="http://schemas.microsoft.com/office/drawing/2014/main" id="{D5301016-B2C1-8C72-37C6-4BDC82D20E85}"/>
+                <a16:creationId xmlns:a16="http://schemas.microsoft.com/office/drawing/2014/main" id="{5F6D047F-2C3F-5E01-06C6-3D26DC300FB7}"/>
               </a:ext>
             </a:extLst>
           </p:cNvPr>
@@ -2992,7 +2992,7 @@
             </a:lvl1pPr>
           </a:lstStyle>
           <a:p>
-            <a:fld id="{AD797A6D-0F70-4A00-BA7C-F8805892E5C7}" type="slidenum">
+            <a:fld id="{16F6C963-F525-4924-95C2-289DF918C99D}" type="slidenum">
               <a:rPr lang="zh-CN" altLang="en-US" smtClean="0"/>
               <a:t>‹#›</a:t>
             </a:fld>
@@ -3003,7 +3003,7 @@
     </p:spTree>
     <p:extLst>
       <p:ext uri="{BB962C8B-B14F-4D97-AF65-F5344CB8AC3E}">
-        <p14:creationId xmlns:p14="http://schemas.microsoft.com/office/powerpoint/2010/main" val="342124795"/>
+        <p14:creationId xmlns:p14="http://schemas.microsoft.com/office/powerpoint/2010/main" val="710285625"/>
       </p:ext>
     </p:extLst>
   </p:cSld>
